--- a/Introduction_TIPE_2021_2022.pptx
+++ b/Introduction_TIPE_2021_2022.pptx
@@ -5,22 +5,23 @@
     <p:sldMasterId id="2147483684" r:id="rId1"/>
   </p:sldMasterIdLst>
   <p:notesMasterIdLst>
-    <p:notesMasterId r:id="rId15"/>
+    <p:notesMasterId r:id="rId16"/>
   </p:notesMasterIdLst>
   <p:sldIdLst>
     <p:sldId id="256" r:id="rId2"/>
-    <p:sldId id="257" r:id="rId3"/>
-    <p:sldId id="259" r:id="rId4"/>
-    <p:sldId id="258" r:id="rId5"/>
-    <p:sldId id="260" r:id="rId6"/>
+    <p:sldId id="271" r:id="rId3"/>
+    <p:sldId id="257" r:id="rId4"/>
+    <p:sldId id="259" r:id="rId5"/>
+    <p:sldId id="258" r:id="rId6"/>
     <p:sldId id="261" r:id="rId7"/>
     <p:sldId id="262" r:id="rId8"/>
     <p:sldId id="263" r:id="rId9"/>
     <p:sldId id="269" r:id="rId10"/>
-    <p:sldId id="268" r:id="rId11"/>
-    <p:sldId id="264" r:id="rId12"/>
-    <p:sldId id="265" r:id="rId13"/>
-    <p:sldId id="267" r:id="rId14"/>
+    <p:sldId id="270" r:id="rId11"/>
+    <p:sldId id="268" r:id="rId12"/>
+    <p:sldId id="264" r:id="rId13"/>
+    <p:sldId id="265" r:id="rId14"/>
+    <p:sldId id="267" r:id="rId15"/>
   </p:sldIdLst>
   <p:sldSz cx="9144000" cy="6858000" type="screen4x3"/>
   <p:notesSz cx="7099300" cy="10234613"/>
@@ -448,7 +449,6 @@
     </c:plotArea>
     <c:plotVisOnly val="1"/>
     <c:dispBlanksAs val="gap"/>
-    <c:showDLblsOverMax val="0"/>
     <c:extLst>
       <c:ext xmlns:c16r3="http://schemas.microsoft.com/office/drawing/2017/03/chart" uri="{56B9EC1D-385E-4148-901F-78D8002777C0}">
         <c16r3:dataDisplayOptions16>
@@ -456,6 +456,7 @@
         </c16r3:dataDisplayOptions16>
       </c:ext>
     </c:extLst>
+    <c:showDLblsOverMax val="0"/>
   </c:chart>
   <c:spPr>
     <a:noFill/>
@@ -2256,7 +2257,7 @@
             <a:fld id="{E494A05E-DEA9-4CEA-A63B-3593EEF3AC45}" type="datetimeFigureOut">
               <a:rPr lang="fr-FR" smtClean="0"/>
               <a:pPr/>
-              <a:t>06/09/2021</a:t>
+              <a:t>28/08/2022</a:t>
             </a:fld>
             <a:endParaRPr lang="fr-FR"/>
           </a:p>
@@ -2927,7 +2928,7 @@
             <a:fld id="{3A961F90-11F6-4966-B0E5-2BB20F714B78}" type="datetime1">
               <a:rPr lang="fr-FR" smtClean="0"/>
               <a:pPr/>
-              <a:t>06/09/2021</a:t>
+              <a:t>28/08/2022</a:t>
             </a:fld>
             <a:endParaRPr lang="fr-FR"/>
           </a:p>
@@ -3288,7 +3289,7 @@
             <a:fld id="{59700BD1-A4B5-444B-B773-B4FDD97DF200}" type="datetime1">
               <a:rPr lang="fr-FR" smtClean="0"/>
               <a:pPr/>
-              <a:t>06/09/2021</a:t>
+              <a:t>28/08/2022</a:t>
             </a:fld>
             <a:endParaRPr lang="fr-FR"/>
           </a:p>
@@ -3465,7 +3466,7 @@
             <a:fld id="{A354AF49-C35E-40F6-8345-CA866716EE79}" type="datetime1">
               <a:rPr lang="fr-FR" smtClean="0"/>
               <a:pPr/>
-              <a:t>06/09/2021</a:t>
+              <a:t>28/08/2022</a:t>
             </a:fld>
             <a:endParaRPr lang="fr-FR"/>
           </a:p>
@@ -3713,7 +3714,7 @@
             <a:fld id="{EAFEF7E1-4A71-4560-AA4D-33BBAAF32357}" type="datetime1">
               <a:rPr lang="fr-FR" smtClean="0"/>
               <a:pPr/>
-              <a:t>06/09/2021</a:t>
+              <a:t>28/08/2022</a:t>
             </a:fld>
             <a:endParaRPr lang="fr-FR"/>
           </a:p>
@@ -3984,7 +3985,7 @@
             <a:fld id="{9BE6CECE-C4BA-493A-9F45-8F69D8200EC9}" type="datetime1">
               <a:rPr lang="fr-FR" smtClean="0"/>
               <a:pPr/>
-              <a:t>06/09/2021</a:t>
+              <a:t>28/08/2022</a:t>
             </a:fld>
             <a:endParaRPr lang="fr-FR"/>
           </a:p>
@@ -4206,7 +4207,7 @@
             <a:fld id="{6B400324-51BB-4021-B482-6C084AB66459}" type="datetime1">
               <a:rPr lang="fr-FR" smtClean="0"/>
               <a:pPr/>
-              <a:t>06/09/2021</a:t>
+              <a:t>28/08/2022</a:t>
             </a:fld>
             <a:endParaRPr lang="fr-FR"/>
           </a:p>
@@ -4560,7 +4561,7 @@
             <a:fld id="{87C4A39B-E1E0-4B19-A965-1E1097FB3AF3}" type="datetime1">
               <a:rPr lang="fr-FR" smtClean="0"/>
               <a:pPr/>
-              <a:t>06/09/2021</a:t>
+              <a:t>28/08/2022</a:t>
             </a:fld>
             <a:endParaRPr lang="fr-FR"/>
           </a:p>
@@ -4794,7 +4795,7 @@
             <a:fld id="{CEF5A761-699F-4B94-BA43-1E8C0C9C554B}" type="datetime1">
               <a:rPr lang="fr-FR" smtClean="0"/>
               <a:pPr/>
-              <a:t>06/09/2021</a:t>
+              <a:t>28/08/2022</a:t>
             </a:fld>
             <a:endParaRPr lang="fr-FR"/>
           </a:p>
@@ -4936,7 +4937,7 @@
             <a:fld id="{E407DE65-0759-4C9C-9804-8C4C0AC5F8D7}" type="datetime1">
               <a:rPr lang="fr-FR" smtClean="0"/>
               <a:pPr/>
-              <a:t>06/09/2021</a:t>
+              <a:t>28/08/2022</a:t>
             </a:fld>
             <a:endParaRPr lang="fr-FR"/>
           </a:p>
@@ -5215,7 +5216,7 @@
             <a:fld id="{6DCAF433-E5EB-4B74-B8BB-3F6D9EEAE800}" type="datetime1">
               <a:rPr lang="fr-FR" smtClean="0"/>
               <a:pPr/>
-              <a:t>06/09/2021</a:t>
+              <a:t>28/08/2022</a:t>
             </a:fld>
             <a:endParaRPr lang="fr-FR"/>
           </a:p>
@@ -5624,7 +5625,7 @@
             <a:fld id="{E5AEAC06-18E9-471A-B77A-CDA5C363BF1F}" type="datetime1">
               <a:rPr lang="fr-FR" smtClean="0"/>
               <a:pPr/>
-              <a:t>06/09/2021</a:t>
+              <a:t>28/08/2022</a:t>
             </a:fld>
             <a:endParaRPr lang="fr-FR"/>
           </a:p>
@@ -5964,7 +5965,7 @@
             <a:fld id="{B9178431-C703-4FD6-9F6F-E8F5512852E2}" type="datetime1">
               <a:rPr lang="fr-FR" smtClean="0"/>
               <a:pPr/>
-              <a:t>06/09/2021</a:t>
+              <a:t>28/08/2022</a:t>
             </a:fld>
             <a:endParaRPr lang="fr-FR"/>
           </a:p>
@@ -6633,13 +6634,8 @@
           <a:p>
             <a:r>
               <a:rPr lang="fr-FR" dirty="0"/>
-              <a:t>Retour sur </a:t>
-            </a:r>
-            <a:r>
-              <a:rPr lang="fr-FR" dirty="0" smtClean="0"/>
-              <a:t>2019</a:t>
-            </a:r>
-            <a:endParaRPr lang="fr-FR" dirty="0"/>
+              <a:t>Retour sur 2021</a:t>
+            </a:r>
           </a:p>
         </p:txBody>
       </p:sp>
@@ -6667,8 +6663,351 @@
           </a:p>
         </p:txBody>
       </p:sp>
-      <mc:AlternateContent xmlns:mc="http://schemas.openxmlformats.org/markup-compatibility/2006">
-        <mc:Choice xmlns:a14="http://schemas.microsoft.com/office/drawing/2010/main" Requires="a14">
+      <mc:AlternateContent xmlns:mc="http://schemas.openxmlformats.org/markup-compatibility/2006" xmlns:a14="http://schemas.microsoft.com/office/drawing/2010/main">
+        <mc:Choice Requires="a14">
+          <p:sp>
+            <p:nvSpPr>
+              <p:cNvPr id="4" name="Espace réservé du contenu 3"/>
+              <p:cNvSpPr>
+                <a:spLocks noGrp="1"/>
+              </p:cNvSpPr>
+              <p:nvPr>
+                <p:ph sz="quarter" idx="1"/>
+              </p:nvPr>
+            </p:nvSpPr>
+            <p:spPr/>
+            <p:txBody>
+              <a:bodyPr>
+                <a:normAutofit fontScale="85000" lnSpcReduction="20000"/>
+              </a:bodyPr>
+              <a:lstStyle/>
+              <a:p>
+                <a:r>
+                  <a:rPr lang="fr-FR" dirty="0"/>
+                  <a:t>Résultat : </a:t>
+                </a:r>
+              </a:p>
+              <a:p>
+                <a:pPr lvl="1"/>
+                <a:r>
+                  <a:rPr lang="fr-FR" dirty="0"/>
+                  <a:t>moyenne PSI</a:t>
+                </a:r>
+                <a14:m>
+                  <m:oMath xmlns:m="http://schemas.openxmlformats.org/officeDocument/2006/math">
+                    <m:r>
+                      <a:rPr lang="fr-FR" b="0" i="1" smtClean="0">
+                        <a:latin typeface="Cambria Math"/>
+                      </a:rPr>
+                      <m:t>⋆</m:t>
+                    </m:r>
+                  </m:oMath>
+                </a14:m>
+                <a:r>
+                  <a:rPr lang="fr-FR" dirty="0"/>
+                  <a:t> : 12,2/20 (de 6,8 </a:t>
+                </a:r>
+                <a:r>
+                  <a:rPr lang="fr-FR" dirty="0">
+                    <a:sym typeface="Wingdings" pitchFamily="2" charset="2"/>
+                  </a:rPr>
+                  <a:t>à 18)</a:t>
+                </a:r>
+              </a:p>
+              <a:p>
+                <a:pPr lvl="1"/>
+                <a:r>
+                  <a:rPr lang="fr-FR" dirty="0">
+                    <a:sym typeface="Wingdings" pitchFamily="2" charset="2"/>
+                  </a:rPr>
+                  <a:t>Moyenne nationale en 2019 11,85</a:t>
+                </a:r>
+              </a:p>
+              <a:p>
+                <a:r>
+                  <a:rPr lang="fr-FR" dirty="0">
+                    <a:sym typeface="Wingdings" pitchFamily="2" charset="2"/>
+                  </a:rPr>
+                  <a:t>Ce qui semble avoir fonctionné</a:t>
+                </a:r>
+              </a:p>
+              <a:p>
+                <a:pPr lvl="1"/>
+                <a:r>
+                  <a:rPr lang="fr-FR" dirty="0"/>
+                  <a:t>Étude d'un procédé de charge électrique de gouttelettes d'eau par influence électrostatique pour l'exploitation d'énergie éolienne. 18</a:t>
+                </a:r>
+              </a:p>
+              <a:p>
+                <a:pPr lvl="1"/>
+                <a:r>
+                  <a:rPr lang="fr-FR" dirty="0"/>
+                  <a:t>Le transfert énergétique par induction, une méthode sécuritaire pour transmettre l'énergie à distance. 17,1 </a:t>
+                </a:r>
+              </a:p>
+              <a:p>
+                <a:pPr lvl="1"/>
+                <a:r>
+                  <a:rPr lang="fr-FR" dirty="0"/>
+                  <a:t>Les </a:t>
+                </a:r>
+                <a:r>
+                  <a:rPr lang="fr-FR" dirty="0" err="1"/>
+                  <a:t>supercondensateurs</a:t>
+                </a:r>
+                <a:r>
+                  <a:rPr lang="fr-FR" dirty="0"/>
+                  <a:t> : une alternative prometteuse pour stocker et fournir de l'énergie. 16,2 </a:t>
+                </a:r>
+              </a:p>
+              <a:p>
+                <a:pPr lvl="1"/>
+                <a:endParaRPr lang="fr-FR" dirty="0"/>
+              </a:p>
+              <a:p>
+                <a:r>
+                  <a:rPr lang="fr-FR" dirty="0"/>
+                  <a:t> </a:t>
+                </a:r>
+                <a:r>
+                  <a:rPr lang="fr-FR" dirty="0">
+                    <a:sym typeface="Wingdings" pitchFamily="2" charset="2"/>
+                  </a:rPr>
+                  <a:t>Ce qui semble avoir moins fonctionné</a:t>
+                </a:r>
+              </a:p>
+              <a:p>
+                <a:pPr lvl="1"/>
+                <a:r>
+                  <a:rPr lang="fr-FR" dirty="0"/>
+                  <a:t>Étude d'une orthèse </a:t>
+                </a:r>
+                <a:r>
+                  <a:rPr lang="fr-FR" dirty="0" err="1"/>
+                  <a:t>myoélectrique</a:t>
+                </a:r>
+                <a:r>
+                  <a:rPr lang="fr-FR" dirty="0"/>
+                  <a:t> de bras 6,8 </a:t>
+                </a:r>
+                <a:endParaRPr lang="fr-FR" dirty="0">
+                  <a:sym typeface="Wingdings" pitchFamily="2" charset="2"/>
+                </a:endParaRPr>
+              </a:p>
+              <a:p>
+                <a:pPr lvl="1"/>
+                <a:r>
+                  <a:rPr lang="fr-FR" dirty="0"/>
+                  <a:t>Optimisation du tri des déchets par tri optique. 7,2 </a:t>
+                </a:r>
+              </a:p>
+              <a:p>
+                <a:pPr lvl="1"/>
+                <a:r>
+                  <a:rPr lang="fr-FR" i="1" dirty="0"/>
+                  <a:t>Régulation en température des batteries Li-Ion par effet Peltier. 8,3 </a:t>
+                </a:r>
+                <a:r>
+                  <a:rPr lang="fr-FR" i="1" dirty="0">
+                    <a:sym typeface="Wingdings" panose="05000000000000000000" pitchFamily="2" charset="2"/>
+                  </a:rPr>
+                  <a:t></a:t>
+                </a:r>
+              </a:p>
+              <a:p>
+                <a:pPr lvl="1"/>
+                <a:r>
+                  <a:rPr lang="fr-FR" i="1" dirty="0"/>
+                  <a:t>Effets dynamiques du vent sur les bâtiments: étude d'un amortisseur mécanique 8,7 </a:t>
+                </a:r>
+                <a:r>
+                  <a:rPr lang="fr-FR" i="1" dirty="0">
+                    <a:sym typeface="Wingdings" panose="05000000000000000000" pitchFamily="2" charset="2"/>
+                  </a:rPr>
+                  <a:t></a:t>
+                </a:r>
+              </a:p>
+              <a:p>
+                <a:pPr lvl="1"/>
+                <a:r>
+                  <a:rPr lang="fr-FR" dirty="0"/>
+                  <a:t>Élaboration d’une table de recharge à induction : un chargeur mobile 9,5 &amp; 10</a:t>
+                </a:r>
+              </a:p>
+              <a:p>
+                <a:pPr lvl="1"/>
+                <a:r>
+                  <a:rPr lang="fr-FR" dirty="0"/>
+                  <a:t>Caractérisation et optimisation des systèmes RFID passifs à basse fréquence 9,8 </a:t>
+                </a:r>
+              </a:p>
+              <a:p>
+                <a:pPr lvl="1"/>
+                <a:endParaRPr lang="fr-FR" dirty="0">
+                  <a:sym typeface="Wingdings" pitchFamily="2" charset="2"/>
+                </a:endParaRPr>
+              </a:p>
+              <a:p>
+                <a:pPr lvl="1"/>
+                <a:endParaRPr lang="fr-FR" dirty="0"/>
+              </a:p>
+              <a:p>
+                <a:pPr lvl="1"/>
+                <a:endParaRPr lang="fr-FR" dirty="0">
+                  <a:sym typeface="Wingdings" pitchFamily="2" charset="2"/>
+                </a:endParaRPr>
+              </a:p>
+              <a:p>
+                <a:endParaRPr lang="fr-FR" dirty="0">
+                  <a:sym typeface="Wingdings" pitchFamily="2" charset="2"/>
+                </a:endParaRPr>
+              </a:p>
+              <a:p>
+                <a:pPr lvl="1"/>
+                <a:endParaRPr lang="fr-FR" dirty="0"/>
+              </a:p>
+              <a:p>
+                <a:endParaRPr lang="fr-FR" dirty="0"/>
+              </a:p>
+            </p:txBody>
+          </p:sp>
+        </mc:Choice>
+        <mc:Fallback xmlns="">
+          <p:sp>
+            <p:nvSpPr>
+              <p:cNvPr id="4" name="Espace réservé du contenu 3"/>
+              <p:cNvSpPr>
+                <a:spLocks noGrp="1" noRot="1" noChangeAspect="1" noMove="1" noResize="1" noEditPoints="1" noAdjustHandles="1" noChangeArrowheads="1" noChangeShapeType="1" noTextEdit="1"/>
+              </p:cNvSpPr>
+              <p:nvPr>
+                <p:ph sz="quarter" idx="1"/>
+              </p:nvPr>
+            </p:nvSpPr>
+            <p:spPr>
+              <a:blipFill>
+                <a:blip r:embed="rId2"/>
+                <a:stretch>
+                  <a:fillRect l="-296" t="-1852"/>
+                </a:stretch>
+              </a:blipFill>
+            </p:spPr>
+            <p:txBody>
+              <a:bodyPr/>
+              <a:lstStyle/>
+              <a:p>
+                <a:r>
+                  <a:rPr lang="fr-FR">
+                    <a:noFill/>
+                  </a:rPr>
+                  <a:t> </a:t>
+                </a:r>
+              </a:p>
+            </p:txBody>
+          </p:sp>
+        </mc:Fallback>
+      </mc:AlternateContent>
+      <p:graphicFrame>
+        <p:nvGraphicFramePr>
+          <p:cNvPr id="6" name="Graphique 5">
+            <a:extLst>
+              <a:ext uri="{FF2B5EF4-FFF2-40B4-BE49-F238E27FC236}">
+                <a16:creationId xmlns:a16="http://schemas.microsoft.com/office/drawing/2014/main" id="{61875FBE-A396-4AA8-8CB2-8BD1D38DE7E1}"/>
+              </a:ext>
+            </a:extLst>
+          </p:cNvPr>
+          <p:cNvGraphicFramePr>
+            <a:graphicFrameLocks/>
+          </p:cNvGraphicFramePr>
+          <p:nvPr/>
+        </p:nvGraphicFramePr>
+        <p:xfrm>
+          <a:off x="5508104" y="141496"/>
+          <a:ext cx="3563888" cy="1991360"/>
+        </p:xfrm>
+        <a:graphic>
+          <a:graphicData uri="http://schemas.openxmlformats.org/drawingml/2006/chart">
+            <c:chart xmlns:c="http://schemas.openxmlformats.org/drawingml/2006/chart" xmlns:r="http://schemas.openxmlformats.org/officeDocument/2006/relationships" r:id="rId3"/>
+          </a:graphicData>
+        </a:graphic>
+      </p:graphicFrame>
+    </p:spTree>
+    <p:extLst>
+      <p:ext uri="{BB962C8B-B14F-4D97-AF65-F5344CB8AC3E}">
+        <p14:creationId xmlns:p14="http://schemas.microsoft.com/office/powerpoint/2010/main" val="2562348549"/>
+      </p:ext>
+    </p:extLst>
+  </p:cSld>
+  <p:clrMapOvr>
+    <a:masterClrMapping/>
+  </p:clrMapOvr>
+</p:sld>
+</file>
+
+<file path=ppt/slides/slide11.xml><?xml version="1.0" encoding="utf-8"?>
+<p:sld xmlns:a="http://schemas.openxmlformats.org/drawingml/2006/main" xmlns:r="http://schemas.openxmlformats.org/officeDocument/2006/relationships" xmlns:p="http://schemas.openxmlformats.org/presentationml/2006/main">
+  <p:cSld>
+    <p:spTree>
+      <p:nvGrpSpPr>
+        <p:cNvPr id="1" name=""/>
+        <p:cNvGrpSpPr/>
+        <p:nvPr/>
+      </p:nvGrpSpPr>
+      <p:grpSpPr>
+        <a:xfrm>
+          <a:off x="0" y="0"/>
+          <a:ext cx="0" cy="0"/>
+          <a:chOff x="0" y="0"/>
+          <a:chExt cx="0" cy="0"/>
+        </a:xfrm>
+      </p:grpSpPr>
+      <p:sp>
+        <p:nvSpPr>
+          <p:cNvPr id="2" name="Titre 1"/>
+          <p:cNvSpPr>
+            <a:spLocks noGrp="1"/>
+          </p:cNvSpPr>
+          <p:nvPr>
+            <p:ph type="title"/>
+          </p:nvPr>
+        </p:nvSpPr>
+        <p:spPr/>
+        <p:txBody>
+          <a:bodyPr/>
+          <a:lstStyle/>
+          <a:p>
+            <a:r>
+              <a:rPr lang="fr-FR" dirty="0"/>
+              <a:t>Retour sur 2019</a:t>
+            </a:r>
+          </a:p>
+        </p:txBody>
+      </p:sp>
+      <p:sp>
+        <p:nvSpPr>
+          <p:cNvPr id="3" name="Espace réservé du numéro de diapositive 2"/>
+          <p:cNvSpPr>
+            <a:spLocks noGrp="1"/>
+          </p:cNvSpPr>
+          <p:nvPr>
+            <p:ph type="sldNum" sz="quarter" idx="12"/>
+          </p:nvPr>
+        </p:nvSpPr>
+        <p:spPr/>
+        <p:txBody>
+          <a:bodyPr/>
+          <a:lstStyle/>
+          <a:p>
+            <a:fld id="{3F1D8263-54E8-442D-88B4-DA252C595E3D}" type="slidenum">
+              <a:rPr lang="fr-FR" smtClean="0"/>
+              <a:pPr/>
+              <a:t>11</a:t>
+            </a:fld>
+            <a:endParaRPr lang="fr-FR"/>
+          </a:p>
+        </p:txBody>
+      </p:sp>
+      <mc:AlternateContent xmlns:mc="http://schemas.openxmlformats.org/markup-compatibility/2006" xmlns:a14="http://schemas.microsoft.com/office/drawing/2010/main">
+        <mc:Choice Requires="a14">
           <p:sp>
             <p:nvSpPr>
               <p:cNvPr id="4" name="Espace réservé du contenu 3"/>
@@ -6724,19 +7063,7 @@
                   <a:rPr lang="fr-FR" dirty="0">
                     <a:sym typeface="Wingdings" pitchFamily="2" charset="2"/>
                   </a:rPr>
-                  <a:t>Moyenne nationale en </a:t>
-                </a:r>
-                <a:r>
-                  <a:rPr lang="fr-FR" dirty="0" smtClean="0">
-                    <a:sym typeface="Wingdings" pitchFamily="2" charset="2"/>
-                  </a:rPr>
-                  <a:t>2019 </a:t>
-                </a:r>
-                <a:r>
-                  <a:rPr lang="fr-FR" dirty="0">
-                    <a:sym typeface="Wingdings" pitchFamily="2" charset="2"/>
-                  </a:rPr>
-                  <a:t>11,44</a:t>
+                  <a:t>Moyenne nationale en 2019 11,44</a:t>
                 </a:r>
               </a:p>
               <a:p>
@@ -6804,7 +7131,7 @@
             </p:txBody>
           </p:sp>
         </mc:Choice>
-        <mc:Fallback>
+        <mc:Fallback xmlns="">
           <p:sp>
             <p:nvSpPr>
               <p:cNvPr id="4" name="Espace réservé du contenu 3"/>
@@ -6875,7 +7202,7 @@
 </p:sld>
 </file>
 
-<file path=ppt/slides/slide11.xml><?xml version="1.0" encoding="utf-8"?>
+<file path=ppt/slides/slide12.xml><?xml version="1.0" encoding="utf-8"?>
 <p:sld xmlns:a="http://schemas.openxmlformats.org/drawingml/2006/main" xmlns:r="http://schemas.openxmlformats.org/officeDocument/2006/relationships" xmlns:p="http://schemas.openxmlformats.org/presentationml/2006/main">
   <p:cSld>
     <p:spTree>
@@ -6932,7 +7259,7 @@
             <a:fld id="{3F1D8263-54E8-442D-88B4-DA252C595E3D}" type="slidenum">
               <a:rPr lang="fr-FR" smtClean="0"/>
               <a:pPr/>
-              <a:t>11</a:t>
+              <a:t>12</a:t>
             </a:fld>
             <a:endParaRPr lang="fr-FR"/>
           </a:p>
@@ -7150,199 +7477,6 @@
 </p:sld>
 </file>
 
-<file path=ppt/slides/slide12.xml><?xml version="1.0" encoding="utf-8"?>
-<p:sld xmlns:a="http://schemas.openxmlformats.org/drawingml/2006/main" xmlns:r="http://schemas.openxmlformats.org/officeDocument/2006/relationships" xmlns:p="http://schemas.openxmlformats.org/presentationml/2006/main">
-  <p:cSld>
-    <p:spTree>
-      <p:nvGrpSpPr>
-        <p:cNvPr id="1" name=""/>
-        <p:cNvGrpSpPr/>
-        <p:nvPr/>
-      </p:nvGrpSpPr>
-      <p:grpSpPr>
-        <a:xfrm>
-          <a:off x="0" y="0"/>
-          <a:ext cx="0" cy="0"/>
-          <a:chOff x="0" y="0"/>
-          <a:chExt cx="0" cy="0"/>
-        </a:xfrm>
-      </p:grpSpPr>
-      <p:sp>
-        <p:nvSpPr>
-          <p:cNvPr id="2" name="Titre 1"/>
-          <p:cNvSpPr>
-            <a:spLocks noGrp="1"/>
-          </p:cNvSpPr>
-          <p:nvPr>
-            <p:ph type="title"/>
-          </p:nvPr>
-        </p:nvSpPr>
-        <p:spPr/>
-        <p:txBody>
-          <a:bodyPr/>
-          <a:lstStyle/>
-          <a:p>
-            <a:r>
-              <a:rPr lang="fr-FR" dirty="0"/>
-              <a:t>Exemple de moyens utilisables dans le lycée</a:t>
-            </a:r>
-          </a:p>
-        </p:txBody>
-      </p:sp>
-      <p:sp>
-        <p:nvSpPr>
-          <p:cNvPr id="3" name="Espace réservé du numéro de diapositive 2"/>
-          <p:cNvSpPr>
-            <a:spLocks noGrp="1"/>
-          </p:cNvSpPr>
-          <p:nvPr>
-            <p:ph type="sldNum" sz="quarter" idx="12"/>
-          </p:nvPr>
-        </p:nvSpPr>
-        <p:spPr/>
-        <p:txBody>
-          <a:bodyPr/>
-          <a:lstStyle/>
-          <a:p>
-            <a:fld id="{3F1D8263-54E8-442D-88B4-DA252C595E3D}" type="slidenum">
-              <a:rPr lang="fr-FR" smtClean="0"/>
-              <a:pPr/>
-              <a:t>12</a:t>
-            </a:fld>
-            <a:endParaRPr lang="fr-FR"/>
-          </a:p>
-        </p:txBody>
-      </p:sp>
-      <p:sp>
-        <p:nvSpPr>
-          <p:cNvPr id="4" name="Espace réservé du contenu 3"/>
-          <p:cNvSpPr>
-            <a:spLocks noGrp="1"/>
-          </p:cNvSpPr>
-          <p:nvPr>
-            <p:ph sz="quarter" idx="1"/>
-          </p:nvPr>
-        </p:nvSpPr>
-        <p:spPr/>
-        <p:txBody>
-          <a:bodyPr>
-            <a:normAutofit fontScale="92500" lnSpcReduction="20000"/>
-          </a:bodyPr>
-          <a:lstStyle/>
-          <a:p>
-            <a:r>
-              <a:rPr lang="fr-FR" dirty="0"/>
-              <a:t>Machine de traction (1 Tonne)</a:t>
-            </a:r>
-          </a:p>
-          <a:p>
-            <a:r>
-              <a:rPr lang="fr-FR" dirty="0"/>
-              <a:t>Machine à découper/graver laser (bois, plexi jusqu’à 10 mm)</a:t>
-            </a:r>
-          </a:p>
-          <a:p>
-            <a:r>
-              <a:rPr lang="fr-FR" dirty="0"/>
-              <a:t>Imprimante 3D</a:t>
-            </a:r>
-          </a:p>
-          <a:p>
-            <a:r>
-              <a:rPr lang="fr-FR" dirty="0"/>
-              <a:t>Cartes </a:t>
-            </a:r>
-            <a:r>
-              <a:rPr lang="fr-FR" dirty="0" err="1"/>
-              <a:t>arduino</a:t>
-            </a:r>
-            <a:r>
-              <a:rPr lang="fr-FR" dirty="0"/>
-              <a:t> </a:t>
-            </a:r>
-            <a:r>
-              <a:rPr lang="fr-FR" dirty="0" err="1"/>
-              <a:t>Uno</a:t>
-            </a:r>
-            <a:r>
-              <a:rPr lang="fr-FR" dirty="0"/>
-              <a:t>/</a:t>
-            </a:r>
-            <a:r>
-              <a:rPr lang="fr-FR" dirty="0" err="1"/>
-              <a:t>Mega</a:t>
-            </a:r>
-            <a:endParaRPr lang="fr-FR" dirty="0"/>
-          </a:p>
-          <a:p>
-            <a:r>
-              <a:rPr lang="fr-FR" dirty="0"/>
-              <a:t>Drones</a:t>
-            </a:r>
-          </a:p>
-          <a:p>
-            <a:r>
-              <a:rPr lang="fr-FR" dirty="0"/>
-              <a:t>Voiture de modélisme</a:t>
-            </a:r>
-          </a:p>
-          <a:p>
-            <a:r>
-              <a:rPr lang="fr-FR" dirty="0"/>
-              <a:t>Bateau de modélisme</a:t>
-            </a:r>
-          </a:p>
-          <a:p>
-            <a:r>
-              <a:rPr lang="fr-FR" dirty="0"/>
-              <a:t>Alim stabilisée</a:t>
-            </a:r>
-          </a:p>
-          <a:p>
-            <a:r>
-              <a:rPr lang="fr-FR" dirty="0"/>
-              <a:t>Composants électroniques divers</a:t>
-            </a:r>
-          </a:p>
-          <a:p>
-            <a:r>
-              <a:rPr lang="fr-FR" dirty="0"/>
-              <a:t>…</a:t>
-            </a:r>
-          </a:p>
-          <a:p>
-            <a:r>
-              <a:rPr lang="fr-FR" dirty="0"/>
-              <a:t>Logiciels de simulation</a:t>
-            </a:r>
-          </a:p>
-          <a:p>
-            <a:endParaRPr lang="fr-FR" dirty="0"/>
-          </a:p>
-          <a:p>
-            <a:r>
-              <a:rPr lang="fr-FR" b="1" dirty="0"/>
-              <a:t>Vous pouvez conserver du matériel en salle B112 dans des boîtes en indiquant votre nom</a:t>
-            </a:r>
-          </a:p>
-          <a:p>
-            <a:endParaRPr lang="fr-FR" dirty="0"/>
-          </a:p>
-        </p:txBody>
-      </p:sp>
-    </p:spTree>
-    <p:extLst>
-      <p:ext uri="{BB962C8B-B14F-4D97-AF65-F5344CB8AC3E}">
-        <p14:creationId xmlns:p14="http://schemas.microsoft.com/office/powerpoint/2010/main" val="276122363"/>
-      </p:ext>
-    </p:extLst>
-  </p:cSld>
-  <p:clrMapOvr>
-    <a:masterClrMapping/>
-  </p:clrMapOvr>
-</p:sld>
-</file>
-
 <file path=ppt/slides/slide13.xml><?xml version="1.0" encoding="utf-8"?>
 <p:sld xmlns:a="http://schemas.openxmlformats.org/drawingml/2006/main" xmlns:r="http://schemas.openxmlformats.org/officeDocument/2006/relationships" xmlns:p="http://schemas.openxmlformats.org/presentationml/2006/main">
   <p:cSld>
@@ -7362,6 +7496,199 @@
       </p:grpSpPr>
       <p:sp>
         <p:nvSpPr>
+          <p:cNvPr id="2" name="Titre 1"/>
+          <p:cNvSpPr>
+            <a:spLocks noGrp="1"/>
+          </p:cNvSpPr>
+          <p:nvPr>
+            <p:ph type="title"/>
+          </p:nvPr>
+        </p:nvSpPr>
+        <p:spPr/>
+        <p:txBody>
+          <a:bodyPr/>
+          <a:lstStyle/>
+          <a:p>
+            <a:r>
+              <a:rPr lang="fr-FR" dirty="0"/>
+              <a:t>Exemple de moyens utilisables dans le lycée</a:t>
+            </a:r>
+          </a:p>
+        </p:txBody>
+      </p:sp>
+      <p:sp>
+        <p:nvSpPr>
+          <p:cNvPr id="3" name="Espace réservé du numéro de diapositive 2"/>
+          <p:cNvSpPr>
+            <a:spLocks noGrp="1"/>
+          </p:cNvSpPr>
+          <p:nvPr>
+            <p:ph type="sldNum" sz="quarter" idx="12"/>
+          </p:nvPr>
+        </p:nvSpPr>
+        <p:spPr/>
+        <p:txBody>
+          <a:bodyPr/>
+          <a:lstStyle/>
+          <a:p>
+            <a:fld id="{3F1D8263-54E8-442D-88B4-DA252C595E3D}" type="slidenum">
+              <a:rPr lang="fr-FR" smtClean="0"/>
+              <a:pPr/>
+              <a:t>13</a:t>
+            </a:fld>
+            <a:endParaRPr lang="fr-FR"/>
+          </a:p>
+        </p:txBody>
+      </p:sp>
+      <p:sp>
+        <p:nvSpPr>
+          <p:cNvPr id="4" name="Espace réservé du contenu 3"/>
+          <p:cNvSpPr>
+            <a:spLocks noGrp="1"/>
+          </p:cNvSpPr>
+          <p:nvPr>
+            <p:ph sz="quarter" idx="1"/>
+          </p:nvPr>
+        </p:nvSpPr>
+        <p:spPr/>
+        <p:txBody>
+          <a:bodyPr>
+            <a:normAutofit fontScale="92500" lnSpcReduction="20000"/>
+          </a:bodyPr>
+          <a:lstStyle/>
+          <a:p>
+            <a:r>
+              <a:rPr lang="fr-FR" dirty="0"/>
+              <a:t>Machine de traction (1 Tonne)</a:t>
+            </a:r>
+          </a:p>
+          <a:p>
+            <a:r>
+              <a:rPr lang="fr-FR" dirty="0"/>
+              <a:t>Machine à découper/graver laser (bois, plexi jusqu’à 10 mm)</a:t>
+            </a:r>
+          </a:p>
+          <a:p>
+            <a:r>
+              <a:rPr lang="fr-FR" dirty="0"/>
+              <a:t>Imprimante 3D</a:t>
+            </a:r>
+          </a:p>
+          <a:p>
+            <a:r>
+              <a:rPr lang="fr-FR" dirty="0"/>
+              <a:t>Cartes </a:t>
+            </a:r>
+            <a:r>
+              <a:rPr lang="fr-FR" dirty="0" err="1"/>
+              <a:t>arduino</a:t>
+            </a:r>
+            <a:r>
+              <a:rPr lang="fr-FR" dirty="0"/>
+              <a:t> </a:t>
+            </a:r>
+            <a:r>
+              <a:rPr lang="fr-FR" dirty="0" err="1"/>
+              <a:t>Uno</a:t>
+            </a:r>
+            <a:r>
+              <a:rPr lang="fr-FR" dirty="0"/>
+              <a:t>/</a:t>
+            </a:r>
+            <a:r>
+              <a:rPr lang="fr-FR" dirty="0" err="1"/>
+              <a:t>Mega</a:t>
+            </a:r>
+            <a:endParaRPr lang="fr-FR" dirty="0"/>
+          </a:p>
+          <a:p>
+            <a:r>
+              <a:rPr lang="fr-FR" dirty="0"/>
+              <a:t>Drones</a:t>
+            </a:r>
+          </a:p>
+          <a:p>
+            <a:r>
+              <a:rPr lang="fr-FR" dirty="0"/>
+              <a:t>Voiture de modélisme</a:t>
+            </a:r>
+          </a:p>
+          <a:p>
+            <a:r>
+              <a:rPr lang="fr-FR" dirty="0"/>
+              <a:t>Bateau de modélisme</a:t>
+            </a:r>
+          </a:p>
+          <a:p>
+            <a:r>
+              <a:rPr lang="fr-FR" dirty="0"/>
+              <a:t>Alim stabilisée</a:t>
+            </a:r>
+          </a:p>
+          <a:p>
+            <a:r>
+              <a:rPr lang="fr-FR" dirty="0"/>
+              <a:t>Composants électroniques divers</a:t>
+            </a:r>
+          </a:p>
+          <a:p>
+            <a:r>
+              <a:rPr lang="fr-FR" dirty="0"/>
+              <a:t>…</a:t>
+            </a:r>
+          </a:p>
+          <a:p>
+            <a:r>
+              <a:rPr lang="fr-FR" dirty="0"/>
+              <a:t>Logiciels de simulation</a:t>
+            </a:r>
+          </a:p>
+          <a:p>
+            <a:endParaRPr lang="fr-FR" dirty="0"/>
+          </a:p>
+          <a:p>
+            <a:r>
+              <a:rPr lang="fr-FR" b="1" dirty="0"/>
+              <a:t>Vous pouvez conserver du matériel en salle B112 dans des boîtes en indiquant votre nom</a:t>
+            </a:r>
+          </a:p>
+          <a:p>
+            <a:endParaRPr lang="fr-FR" dirty="0"/>
+          </a:p>
+        </p:txBody>
+      </p:sp>
+    </p:spTree>
+    <p:extLst>
+      <p:ext uri="{BB962C8B-B14F-4D97-AF65-F5344CB8AC3E}">
+        <p14:creationId xmlns:p14="http://schemas.microsoft.com/office/powerpoint/2010/main" val="276122363"/>
+      </p:ext>
+    </p:extLst>
+  </p:cSld>
+  <p:clrMapOvr>
+    <a:masterClrMapping/>
+  </p:clrMapOvr>
+</p:sld>
+</file>
+
+<file path=ppt/slides/slide14.xml><?xml version="1.0" encoding="utf-8"?>
+<p:sld xmlns:a="http://schemas.openxmlformats.org/drawingml/2006/main" xmlns:r="http://schemas.openxmlformats.org/officeDocument/2006/relationships" xmlns:p="http://schemas.openxmlformats.org/presentationml/2006/main">
+  <p:cSld>
+    <p:spTree>
+      <p:nvGrpSpPr>
+        <p:cNvPr id="1" name=""/>
+        <p:cNvGrpSpPr/>
+        <p:nvPr/>
+      </p:nvGrpSpPr>
+      <p:grpSpPr>
+        <a:xfrm>
+          <a:off x="0" y="0"/>
+          <a:ext cx="0" cy="0"/>
+          <a:chOff x="0" y="0"/>
+          <a:chExt cx="0" cy="0"/>
+        </a:xfrm>
+      </p:grpSpPr>
+      <p:sp>
+        <p:nvSpPr>
           <p:cNvPr id="2" name="Titre 1">
             <a:extLst>
               <a:ext uri="{FF2B5EF4-FFF2-40B4-BE49-F238E27FC236}">
@@ -7412,7 +7739,7 @@
             <a:fld id="{3F1D8263-54E8-442D-88B4-DA252C595E3D}" type="slidenum">
               <a:rPr lang="fr-FR" smtClean="0"/>
               <a:pPr/>
-              <a:t>13</a:t>
+              <a:t>14</a:t>
             </a:fld>
             <a:endParaRPr lang="fr-FR"/>
           </a:p>
@@ -7528,7 +7855,13 @@
       </p:grpSpPr>
       <p:sp>
         <p:nvSpPr>
-          <p:cNvPr id="2" name="Titre 1"/>
+          <p:cNvPr id="2" name="Titre 1">
+            <a:extLst>
+              <a:ext uri="{FF2B5EF4-FFF2-40B4-BE49-F238E27FC236}">
+                <a16:creationId xmlns:a16="http://schemas.microsoft.com/office/drawing/2014/main" id="{D4313E54-6879-62C0-BC5E-A9B3C7769DBD}"/>
+              </a:ext>
+            </a:extLst>
+          </p:cNvPr>
           <p:cNvSpPr>
             <a:spLocks noGrp="1"/>
           </p:cNvSpPr>
@@ -7541,16 +7874,19 @@
           <a:bodyPr/>
           <a:lstStyle/>
           <a:p>
-            <a:r>
-              <a:rPr lang="fr-FR" dirty="0"/>
-              <a:t>TIPE</a:t>
-            </a:r>
-          </a:p>
-        </p:txBody>
-      </p:sp>
-      <p:sp>
-        <p:nvSpPr>
-          <p:cNvPr id="3" name="Espace réservé du numéro de diapositive 2"/>
+            <a:endParaRPr lang="fr-FR"/>
+          </a:p>
+        </p:txBody>
+      </p:sp>
+      <p:sp>
+        <p:nvSpPr>
+          <p:cNvPr id="3" name="Espace réservé du numéro de diapositive 2">
+            <a:extLst>
+              <a:ext uri="{FF2B5EF4-FFF2-40B4-BE49-F238E27FC236}">
+                <a16:creationId xmlns:a16="http://schemas.microsoft.com/office/drawing/2014/main" id="{751ADCA3-EC87-7089-4F07-507EADC4D2B1}"/>
+              </a:ext>
+            </a:extLst>
+          </p:cNvPr>
           <p:cNvSpPr>
             <a:spLocks noGrp="1"/>
           </p:cNvSpPr>
@@ -7572,76 +7908,59 @@
           </a:p>
         </p:txBody>
       </p:sp>
-      <p:sp>
-        <p:nvSpPr>
-          <p:cNvPr id="4" name="Espace réservé du contenu 3"/>
-          <p:cNvSpPr>
-            <a:spLocks noGrp="1"/>
-          </p:cNvSpPr>
+      <p:pic>
+        <p:nvPicPr>
+          <p:cNvPr id="2050" name="Picture 2">
+            <a:extLst>
+              <a:ext uri="{FF2B5EF4-FFF2-40B4-BE49-F238E27FC236}">
+                <a16:creationId xmlns:a16="http://schemas.microsoft.com/office/drawing/2014/main" id="{0E407BBB-2026-3660-57DB-EA72D858C128}"/>
+              </a:ext>
+            </a:extLst>
+          </p:cNvPr>
+          <p:cNvPicPr>
+            <a:picLocks noGrp="1" noChangeAspect="1" noChangeArrowheads="1"/>
+          </p:cNvPicPr>
           <p:nvPr>
             <p:ph sz="quarter" idx="1"/>
           </p:nvPr>
-        </p:nvSpPr>
-        <p:spPr/>
-        <p:txBody>
-          <a:bodyPr>
-            <a:normAutofit/>
-          </a:bodyPr>
-          <a:lstStyle/>
-          <a:p>
-            <a:r>
-              <a:rPr lang="fr-FR" sz="1800" dirty="0"/>
-              <a:t>Lors des travaux d'initiative personnelle encadrés</a:t>
-            </a:r>
-            <a:r>
-              <a:rPr lang="fr-FR" sz="1800" b="1" dirty="0"/>
-              <a:t>, l'étudiant a un travail personnel à effectuer</a:t>
-            </a:r>
-            <a:r>
-              <a:rPr lang="fr-FR" sz="1800" dirty="0"/>
-              <a:t>, qui le met en situation de responsabilité. Cette activité est en particulier une </a:t>
-            </a:r>
-            <a:r>
-              <a:rPr lang="fr-FR" sz="1800" b="1" dirty="0"/>
-              <a:t>initiation et un entraînement à la démarche de recherche scientifique et technologique </a:t>
-            </a:r>
-            <a:r>
-              <a:rPr lang="fr-FR" sz="1800" dirty="0"/>
-              <a:t>dont chacun sait que les processus afférents sont nombreux et variés.</a:t>
-            </a:r>
-          </a:p>
-          <a:p>
-            <a:r>
-              <a:rPr lang="fr-FR" sz="1800" b="1" dirty="0"/>
-              <a:t>L'activité de Tipe doit amener l'étudiant à se poser des questions avant de tenter d'y répondre. </a:t>
-            </a:r>
-            <a:r>
-              <a:rPr lang="fr-FR" sz="1800" dirty="0"/>
-              <a:t>En effet, le questionnement préalable à l'élaboration ou à la recherche des solutions est une pratique courante des scientifiques. </a:t>
-            </a:r>
-            <a:r>
-              <a:rPr lang="fr-FR" sz="1800" b="1" dirty="0"/>
-              <a:t>La recherche scientifique et technologique conduit à l'élaboration </a:t>
-            </a:r>
-            <a:r>
-              <a:rPr lang="fr-FR" sz="1800" dirty="0"/>
-              <a:t>d'objets de pensée et </a:t>
-            </a:r>
-            <a:r>
-              <a:rPr lang="fr-FR" sz="1800" b="1" dirty="0"/>
-              <a:t>d'objets réels</a:t>
-            </a:r>
-            <a:r>
-              <a:rPr lang="fr-FR" sz="1800" dirty="0"/>
-              <a:t>, qui participent au processus permanent de construction qui va de la connaissance à la conception voire à la réalisation, et portent le nom d'inventions, de découvertes et d'innovations scientifiques et technologiques. La mise en convergence de travaux de recherche émanant de plusieurs champs disciplinaires assure le progrès des connaissances et permet des avancées dans l'intelligibilité du monde réel.</a:t>
-            </a:r>
-          </a:p>
-        </p:txBody>
-      </p:sp>
+        </p:nvPicPr>
+        <p:blipFill>
+          <a:blip r:embed="rId2">
+            <a:extLst>
+              <a:ext uri="{28A0092B-C50C-407E-A947-70E740481C1C}">
+                <a14:useLocalDpi xmlns:a14="http://schemas.microsoft.com/office/drawing/2010/main" val="0"/>
+              </a:ext>
+            </a:extLst>
+          </a:blip>
+          <a:srcRect/>
+          <a:stretch>
+            <a:fillRect/>
+          </a:stretch>
+        </p:blipFill>
+        <p:spPr bwMode="auto">
+          <a:xfrm>
+            <a:off x="4124" y="0"/>
+            <a:ext cx="9139875" cy="6439043"/>
+          </a:xfrm>
+          <a:prstGeom prst="rect">
+            <a:avLst/>
+          </a:prstGeom>
+          <a:noFill/>
+          <a:extLst>
+            <a:ext uri="{909E8E84-426E-40DD-AFC4-6F175D3DCCD1}">
+              <a14:hiddenFill xmlns:a14="http://schemas.microsoft.com/office/drawing/2010/main">
+                <a:solidFill>
+                  <a:srgbClr val="FFFFFF"/>
+                </a:solidFill>
+              </a14:hiddenFill>
+            </a:ext>
+          </a:extLst>
+        </p:spPr>
+      </p:pic>
     </p:spTree>
     <p:extLst>
       <p:ext uri="{BB962C8B-B14F-4D97-AF65-F5344CB8AC3E}">
-        <p14:creationId xmlns:p14="http://schemas.microsoft.com/office/powerpoint/2010/main" val="899394193"/>
+        <p14:creationId xmlns:p14="http://schemas.microsoft.com/office/powerpoint/2010/main" val="2590089145"/>
       </p:ext>
     </p:extLst>
   </p:cSld>
@@ -7685,7 +8004,7 @@
           <a:p>
             <a:r>
               <a:rPr lang="fr-FR" dirty="0"/>
-              <a:t>TIPE - Résumé</a:t>
+              <a:t>TIPE</a:t>
             </a:r>
           </a:p>
         </p:txBody>
@@ -7727,114 +8046,58 @@
         <p:spPr/>
         <p:txBody>
           <a:bodyPr>
-            <a:normAutofit fontScale="92500" lnSpcReduction="20000"/>
+            <a:normAutofit/>
           </a:bodyPr>
           <a:lstStyle/>
           <a:p>
             <a:r>
-              <a:rPr lang="fr-FR" dirty="0"/>
-              <a:t>Un TIPE c’est </a:t>
-            </a:r>
-          </a:p>
-          <a:p>
-            <a:pPr lvl="1"/>
-            <a:r>
-              <a:rPr lang="fr-FR" b="1" dirty="0">
-                <a:solidFill>
-                  <a:srgbClr val="BE4B48"/>
-                </a:solidFill>
-              </a:rPr>
-              <a:t>Une problématique technologique ou scientifique</a:t>
-            </a:r>
-          </a:p>
-          <a:p>
-            <a:pPr lvl="1"/>
-            <a:r>
-              <a:rPr lang="fr-FR" b="1" dirty="0">
-                <a:solidFill>
-                  <a:srgbClr val="BE4B48"/>
-                </a:solidFill>
-              </a:rPr>
-              <a:t>Un support</a:t>
-            </a:r>
-          </a:p>
-          <a:p>
-            <a:pPr lvl="1"/>
-            <a:r>
-              <a:rPr lang="fr-FR" b="1" dirty="0">
-                <a:solidFill>
-                  <a:srgbClr val="BE4B48"/>
-                </a:solidFill>
-              </a:rPr>
-              <a:t>Un fil conducteur, une histoire, … bref une démarche scientifique permettant de répondre à la problématique.</a:t>
-            </a:r>
-          </a:p>
-          <a:p>
-            <a:r>
-              <a:rPr lang="fr-FR" dirty="0"/>
-              <a:t>Pour répondre à votre problématique votre TIPE doit comprendre :</a:t>
-            </a:r>
-          </a:p>
-          <a:p>
-            <a:pPr lvl="1"/>
-            <a:r>
-              <a:rPr lang="fr-FR" dirty="0"/>
-              <a:t>Une modélisation scientifique</a:t>
-            </a:r>
-          </a:p>
-          <a:p>
-            <a:pPr lvl="1"/>
-            <a:r>
-              <a:rPr lang="fr-FR" dirty="0"/>
-              <a:t>ET/OU une expérimentation permettant de :</a:t>
-            </a:r>
-          </a:p>
-          <a:p>
-            <a:pPr lvl="2"/>
-            <a:r>
-              <a:rPr lang="fr-FR" dirty="0"/>
-              <a:t>Mesurer le phénomène problématique</a:t>
-            </a:r>
-          </a:p>
-          <a:p>
-            <a:pPr lvl="2"/>
-            <a:r>
-              <a:rPr lang="fr-FR" dirty="0"/>
-              <a:t>Mesurer une performance permettant de résoudre une problématique</a:t>
-            </a:r>
-          </a:p>
-          <a:p>
-            <a:pPr lvl="2"/>
-            <a:r>
-              <a:rPr lang="fr-FR" dirty="0"/>
-              <a:t>Identifier un paramètre du modèle…</a:t>
-            </a:r>
-          </a:p>
-          <a:p>
-            <a:r>
-              <a:rPr lang="fr-FR" dirty="0"/>
-              <a:t>Pour s’ancrer dans le concret, votre problématique peut s’appuyer sur : </a:t>
-            </a:r>
-          </a:p>
-          <a:p>
-            <a:pPr lvl="1"/>
-            <a:r>
-              <a:rPr lang="fr-FR" dirty="0"/>
-              <a:t>Un contact industriel ou dans le milieu de la recherche</a:t>
-            </a:r>
-          </a:p>
-          <a:p>
-            <a:pPr lvl="1"/>
-            <a:r>
-              <a:rPr lang="fr-FR" dirty="0"/>
-              <a:t>Une passion sportive ou technologique</a:t>
-            </a:r>
-          </a:p>
-          <a:p>
-            <a:pPr lvl="1"/>
-            <a:r>
-              <a:rPr lang="fr-FR" dirty="0"/>
-              <a:t>La validation d’une performance d’un produit commercialisé…</a:t>
+              <a:rPr lang="fr-FR" sz="1800" dirty="0"/>
+              <a:t>Lors des travaux d'initiative personnelle encadrés</a:t>
+            </a:r>
+            <a:r>
+              <a:rPr lang="fr-FR" sz="1800" b="1" dirty="0"/>
+              <a:t>, l'étudiant a un travail personnel à effectuer</a:t>
+            </a:r>
+            <a:r>
+              <a:rPr lang="fr-FR" sz="1800" dirty="0"/>
+              <a:t>, qui le met en situation de responsabilité. Cette activité est en particulier une </a:t>
+            </a:r>
+            <a:r>
+              <a:rPr lang="fr-FR" sz="1800" b="1" dirty="0"/>
+              <a:t>initiation et un entraînement à la démarche de recherche scientifique et technologique </a:t>
+            </a:r>
+            <a:r>
+              <a:rPr lang="fr-FR" sz="1800" dirty="0"/>
+              <a:t>dont chacun sait que les processus afférents sont nombreux et variés.</a:t>
+            </a:r>
+          </a:p>
+          <a:p>
+            <a:endParaRPr lang="fr-FR" sz="1800" dirty="0"/>
+          </a:p>
+          <a:p>
+            <a:r>
+              <a:rPr lang="fr-FR" sz="1800" b="1" dirty="0"/>
+              <a:t>L'activité de TIPE doit amener l'étudiant à se poser des questions avant de tenter d'y répondre. </a:t>
+            </a:r>
+            <a:r>
+              <a:rPr lang="fr-FR" sz="1800" dirty="0"/>
+              <a:t>En effet, le questionnement préalable à l'élaboration ou à la recherche des solutions est une pratique courante des scientifiques. </a:t>
+            </a:r>
+            <a:r>
+              <a:rPr lang="fr-FR" sz="1800" b="1" dirty="0"/>
+              <a:t>La recherche scientifique et technologique conduit à l'élaboration </a:t>
+            </a:r>
+            <a:r>
+              <a:rPr lang="fr-FR" sz="1800" dirty="0"/>
+              <a:t>d'objets de pensée et </a:t>
+            </a:r>
+            <a:r>
+              <a:rPr lang="fr-FR" sz="1800" b="1" dirty="0"/>
+              <a:t>d'objets réels</a:t>
+            </a:r>
+            <a:r>
+              <a:rPr lang="fr-FR" sz="1800" dirty="0"/>
+              <a:t>, qui participent au processus permanent de construction qui va de la connaissance à la conception voire à la réalisation, et portent le nom d'inventions, de découvertes et d'innovations scientifiques et technologiques. La mise en convergence de travaux de recherche émanant de plusieurs champs disciplinaires assure le progrès des connaissances et permet des avancées dans l'intelligibilité du monde réel.</a:t>
             </a:r>
           </a:p>
         </p:txBody>
@@ -7842,7 +8105,7 @@
     </p:spTree>
     <p:extLst>
       <p:ext uri="{BB962C8B-B14F-4D97-AF65-F5344CB8AC3E}">
-        <p14:creationId xmlns:p14="http://schemas.microsoft.com/office/powerpoint/2010/main" val="2058156188"/>
+        <p14:creationId xmlns:p14="http://schemas.microsoft.com/office/powerpoint/2010/main" val="899394193"/>
       </p:ext>
     </p:extLst>
   </p:cSld>
@@ -7886,7 +8149,7 @@
           <a:p>
             <a:r>
               <a:rPr lang="fr-FR" dirty="0"/>
-              <a:t>Thème de TIPE</a:t>
+              <a:t>TIPE - Résumé</a:t>
             </a:r>
           </a:p>
         </p:txBody>
@@ -7928,116 +8191,122 @@
         <p:spPr/>
         <p:txBody>
           <a:bodyPr>
-            <a:normAutofit fontScale="77500" lnSpcReduction="20000"/>
+            <a:normAutofit fontScale="92500" lnSpcReduction="20000"/>
           </a:bodyPr>
           <a:lstStyle/>
           <a:p>
             <a:r>
-              <a:rPr lang="fr-FR" dirty="0" smtClean="0"/>
-              <a:t>Pour </a:t>
-            </a:r>
-            <a:r>
               <a:rPr lang="fr-FR" dirty="0"/>
-              <a:t>l'année 2021-2022 le thème TIPE </a:t>
-            </a:r>
-            <a:r>
-              <a:rPr lang="fr-FR" dirty="0" smtClean="0"/>
-              <a:t>(…) </a:t>
-            </a:r>
+              <a:t>Un TIPE c’est </a:t>
+            </a:r>
+          </a:p>
+          <a:p>
+            <a:pPr lvl="1"/>
+            <a:r>
+              <a:rPr lang="fr-FR" b="1" dirty="0">
+                <a:solidFill>
+                  <a:srgbClr val="BE4B48"/>
+                </a:solidFill>
+              </a:rPr>
+              <a:t>Une problématique technologique ou scientifique</a:t>
+            </a:r>
+          </a:p>
+          <a:p>
+            <a:pPr lvl="1"/>
+            <a:r>
+              <a:rPr lang="fr-FR" b="1" dirty="0">
+                <a:solidFill>
+                  <a:srgbClr val="BE4B48"/>
+                </a:solidFill>
+              </a:rPr>
+              <a:t>Un support</a:t>
+            </a:r>
+          </a:p>
+          <a:p>
+            <a:pPr lvl="1"/>
+            <a:r>
+              <a:rPr lang="fr-FR" b="1" dirty="0">
+                <a:solidFill>
+                  <a:srgbClr val="BE4B48"/>
+                </a:solidFill>
+              </a:rPr>
+              <a:t>Un fil conducteur, une histoire, … bref une démarche scientifique permettant de répondre à la problématique.</a:t>
+            </a:r>
+          </a:p>
+          <a:p>
             <a:r>
               <a:rPr lang="fr-FR" dirty="0"/>
-              <a:t>est intitulé : </a:t>
-            </a:r>
-            <a:r>
-              <a:rPr lang="fr-FR" b="1" dirty="0"/>
-              <a:t>santé, prévention</a:t>
-            </a:r>
+              <a:t>Pour répondre à votre problématique votre TIPE doit comprendre :</a:t>
+            </a:r>
+          </a:p>
+          <a:p>
+            <a:pPr lvl="1"/>
             <a:r>
               <a:rPr lang="fr-FR" dirty="0"/>
-              <a:t>.</a:t>
-            </a:r>
-          </a:p>
-          <a:p>
+              <a:t>Une modélisation scientifique</a:t>
+            </a:r>
+          </a:p>
+          <a:p>
+            <a:pPr lvl="1"/>
             <a:r>
               <a:rPr lang="fr-FR" dirty="0"/>
-              <a:t>Le thème retenu, ancré dans des problématiques actuelles, offre aux étudiants un large éventail de directions pour des sujets possibles.</a:t>
-            </a:r>
-          </a:p>
-          <a:p>
+              <a:t>ET/OU une expérimentation permettant de :</a:t>
+            </a:r>
+          </a:p>
+          <a:p>
+            <a:pPr lvl="2"/>
             <a:r>
               <a:rPr lang="fr-FR" dirty="0"/>
-              <a:t>Les sujets abordés peuvent se décliner dans les domaines de la santé humaine, animale ou végétale.</a:t>
-            </a:r>
-          </a:p>
-          <a:p>
+              <a:t>Mesurer le phénomène problématique</a:t>
+            </a:r>
+          </a:p>
+          <a:p>
+            <a:pPr lvl="2"/>
             <a:r>
               <a:rPr lang="fr-FR" dirty="0"/>
-              <a:t>Sans être exhaustif, il peut s'agir de problématiques de santé liées :</a:t>
+              <a:t>Mesurer une performance permettant de résoudre une problématique</a:t>
+            </a:r>
+          </a:p>
+          <a:p>
+            <a:pPr lvl="2"/>
+            <a:r>
+              <a:rPr lang="fr-FR" dirty="0"/>
+              <a:t>Identifier un paramètre du modèle…</a:t>
+            </a:r>
+          </a:p>
+          <a:p>
+            <a:r>
+              <a:rPr lang="fr-FR" dirty="0"/>
+              <a:t>Pour s’ancrer dans le concret, votre problématique peut s’appuyer sur : </a:t>
             </a:r>
           </a:p>
           <a:p>
             <a:pPr lvl="1"/>
             <a:r>
               <a:rPr lang="fr-FR" dirty="0"/>
-              <a:t>aux agents pathogènes et aux maladies infectieuses ;</a:t>
+              <a:t>Un contact industriel ou dans le milieu de la recherche</a:t>
             </a:r>
           </a:p>
           <a:p>
             <a:pPr lvl="1"/>
             <a:r>
               <a:rPr lang="fr-FR" dirty="0"/>
-              <a:t>aux comportements et modes de vie (alimentation, activité-sédentarité, etc.) ;</a:t>
+              <a:t>Une passion sportive ou technologique</a:t>
             </a:r>
           </a:p>
           <a:p>
             <a:pPr lvl="1"/>
             <a:r>
               <a:rPr lang="fr-FR" dirty="0"/>
-              <a:t>aux facteurs environnementaux (pollution, aléas et risques liés à la géodynamique terrestre).</a:t>
-            </a:r>
-          </a:p>
-          <a:p>
-            <a:r>
-              <a:rPr lang="fr-FR" dirty="0"/>
-              <a:t>Le sujet pourra être abordé sous l'angle de la protection et de la prévention (prévision, équipements, traitements).</a:t>
-            </a:r>
-          </a:p>
-          <a:p>
-            <a:r>
-              <a:rPr lang="fr-FR" dirty="0" smtClean="0"/>
-              <a:t>Dans </a:t>
-            </a:r>
-            <a:r>
-              <a:rPr lang="fr-FR" dirty="0"/>
-              <a:t>les différentes déclinaisons citées, les études pourront être menées à l'échelle de l'individu, des populations, voire à une échelle plus globale et intégrée (concept « one </a:t>
-            </a:r>
-            <a:r>
-              <a:rPr lang="fr-FR" dirty="0" err="1"/>
-              <a:t>health</a:t>
-            </a:r>
-            <a:r>
-              <a:rPr lang="fr-FR" dirty="0"/>
-              <a:t> »).</a:t>
-            </a:r>
-          </a:p>
-          <a:p>
-            <a:r>
-              <a:rPr lang="fr-FR" dirty="0"/>
-              <a:t>Ce thème offre une large gamme d'approches : études expérimentales pratiques, exploitation de bases de données, réalisation et/ou exploitation de modélisations.</a:t>
-            </a:r>
-          </a:p>
-          <a:p>
-            <a:pPr marL="0" indent="0">
-              <a:buNone/>
-            </a:pPr>
-            <a:endParaRPr lang="fr-FR" dirty="0"/>
+              <a:t>La validation d’une performance d’un produit commercialisé…</a:t>
+            </a:r>
           </a:p>
         </p:txBody>
       </p:sp>
     </p:spTree>
     <p:extLst>
       <p:ext uri="{BB962C8B-B14F-4D97-AF65-F5344CB8AC3E}">
-        <p14:creationId xmlns:p14="http://schemas.microsoft.com/office/powerpoint/2010/main" val="3117298928"/>
+        <p14:creationId xmlns:p14="http://schemas.microsoft.com/office/powerpoint/2010/main" val="2058156188"/>
       </p:ext>
     </p:extLst>
   </p:cSld>
@@ -8081,7 +8350,7 @@
           <a:p>
             <a:r>
               <a:rPr lang="fr-FR" dirty="0"/>
-              <a:t>Compétences développées</a:t>
+              <a:t>Thème de TIPE &amp; compétences développées</a:t>
             </a:r>
           </a:p>
         </p:txBody>
@@ -8123,9 +8392,29 @@
         <p:spPr/>
         <p:txBody>
           <a:bodyPr>
-            <a:normAutofit/>
+            <a:normAutofit lnSpcReduction="10000"/>
           </a:bodyPr>
           <a:lstStyle/>
+          <a:p>
+            <a:r>
+              <a:rPr lang="fr-FR" dirty="0"/>
+              <a:t>Pour l'année 2022-2023 le thème TIPE (…) est intitulé : </a:t>
+            </a:r>
+            <a:r>
+              <a:rPr lang="fr-FR" b="1" dirty="0"/>
+              <a:t>la ville</a:t>
+            </a:r>
+            <a:r>
+              <a:rPr lang="fr-FR" dirty="0"/>
+              <a:t>.</a:t>
+            </a:r>
+          </a:p>
+          <a:p>
+            <a:pPr marL="0" indent="0">
+              <a:buNone/>
+            </a:pPr>
+            <a:endParaRPr lang="fr-FR" dirty="0"/>
+          </a:p>
           <a:p>
             <a:r>
               <a:rPr lang="fr-FR" dirty="0"/>
@@ -8168,6 +8457,12 @@
             </a:r>
           </a:p>
           <a:p>
+            <a:endParaRPr lang="fr-FR" dirty="0"/>
+          </a:p>
+          <a:p>
+            <a:pPr marL="0" indent="0">
+              <a:buNone/>
+            </a:pPr>
             <a:endParaRPr lang="fr-FR" dirty="0"/>
           </a:p>
         </p:txBody>
@@ -8175,7 +8470,7 @@
     </p:spTree>
     <p:extLst>
       <p:ext uri="{BB962C8B-B14F-4D97-AF65-F5344CB8AC3E}">
-        <p14:creationId xmlns:p14="http://schemas.microsoft.com/office/powerpoint/2010/main" val="933062343"/>
+        <p14:creationId xmlns:p14="http://schemas.microsoft.com/office/powerpoint/2010/main" val="3117298928"/>
       </p:ext>
     </p:extLst>
   </p:cSld>
@@ -8263,7 +8558,7 @@
         <p:spPr/>
         <p:txBody>
           <a:bodyPr>
-            <a:normAutofit lnSpcReduction="10000"/>
+            <a:normAutofit/>
           </a:bodyPr>
           <a:lstStyle/>
           <a:p>
@@ -8331,14 +8626,7 @@
             <a:pPr lvl="1"/>
             <a:r>
               <a:rPr lang="fr-FR" dirty="0"/>
-              <a:t>Saisie d’un résumé en anglais</a:t>
-            </a:r>
-          </a:p>
-          <a:p>
-            <a:pPr lvl="1"/>
-            <a:r>
-              <a:rPr lang="fr-FR" dirty="0"/>
-              <a:t>Dépôt de son rapport final</a:t>
+              <a:t>Déroulé opérationnel des tâches</a:t>
             </a:r>
           </a:p>
           <a:p>
@@ -8436,10 +8724,15 @@
             <p:ph sz="quarter" idx="1"/>
           </p:nvPr>
         </p:nvSpPr>
-        <p:spPr/>
+        <p:spPr>
+          <a:xfrm>
+            <a:off x="457200" y="1219200"/>
+            <a:ext cx="8229600" cy="5137150"/>
+          </a:xfrm>
+        </p:spPr>
         <p:txBody>
           <a:bodyPr>
-            <a:normAutofit fontScale="70000" lnSpcReduction="20000"/>
+            <a:normAutofit fontScale="77500" lnSpcReduction="20000"/>
           </a:bodyPr>
           <a:lstStyle/>
           <a:p>
@@ -8678,15 +8971,7 @@
           <a:p>
             <a:r>
               <a:rPr lang="fr-FR" dirty="0"/>
-              <a:t>… Feuille de présence à signer le </a:t>
-            </a:r>
-            <a:r>
-              <a:rPr lang="fr-FR" dirty="0" smtClean="0"/>
-              <a:t>mardi… </a:t>
-            </a:r>
-            <a:r>
-              <a:rPr lang="fr-FR" dirty="0"/>
-              <a:t>les absences sont à justifier. </a:t>
+              <a:t>… Feuille de présence à signer le jeudi… les absences sont à justifier. </a:t>
             </a:r>
           </a:p>
           <a:p>
@@ -8750,13 +9035,8 @@
           <a:p>
             <a:r>
               <a:rPr lang="fr-FR" dirty="0"/>
-              <a:t>Retour sur </a:t>
-            </a:r>
-            <a:r>
-              <a:rPr lang="fr-FR" dirty="0" smtClean="0"/>
-              <a:t>2021</a:t>
-            </a:r>
-            <a:endParaRPr lang="fr-FR" dirty="0"/>
+              <a:t>Retour sur 2022</a:t>
+            </a:r>
           </a:p>
         </p:txBody>
       </p:sp>
@@ -8796,10 +9076,15 @@
                 <p:ph sz="quarter" idx="1"/>
               </p:nvPr>
             </p:nvSpPr>
-            <p:spPr/>
+            <p:spPr>
+              <a:xfrm>
+                <a:off x="457200" y="1219200"/>
+                <a:ext cx="8229600" cy="5137150"/>
+              </a:xfrm>
+            </p:spPr>
             <p:txBody>
               <a:bodyPr>
-                <a:normAutofit fontScale="85000" lnSpcReduction="20000"/>
+                <a:normAutofit fontScale="77500" lnSpcReduction="20000"/>
               </a:bodyPr>
               <a:lstStyle/>
               <a:p>
@@ -8826,57 +9111,14 @@
                 </a14:m>
                 <a:r>
                   <a:rPr lang="fr-FR" dirty="0"/>
-                  <a:t> : </a:t>
-                </a:r>
-                <a:r>
-                  <a:rPr lang="fr-FR" dirty="0" smtClean="0"/>
-                  <a:t>12,2/20 </a:t>
-                </a:r>
-                <a:r>
-                  <a:rPr lang="fr-FR" dirty="0"/>
-                  <a:t>(de </a:t>
-                </a:r>
-                <a:r>
-                  <a:rPr lang="fr-FR" dirty="0" smtClean="0"/>
-                  <a:t>6,8</a:t>
-                </a:r>
-                <a:r>
-                  <a:rPr lang="fr-FR" dirty="0" smtClean="0"/>
-                  <a:t> </a:t>
+                  <a:t> : 14,3/20 (de 6,4 </a:t>
                 </a:r>
                 <a:r>
                   <a:rPr lang="fr-FR" dirty="0">
                     <a:sym typeface="Wingdings" pitchFamily="2" charset="2"/>
                   </a:rPr>
-                  <a:t>à </a:t>
+                  <a:t>à 19,7)</a:t>
                 </a:r>
-                <a:r>
-                  <a:rPr lang="fr-FR" dirty="0" smtClean="0">
-                    <a:sym typeface="Wingdings" pitchFamily="2" charset="2"/>
-                  </a:rPr>
-                  <a:t>18)</a:t>
-                </a:r>
-                <a:endParaRPr lang="fr-FR" dirty="0">
-                  <a:sym typeface="Wingdings" pitchFamily="2" charset="2"/>
-                </a:endParaRPr>
-              </a:p>
-              <a:p>
-                <a:pPr lvl="1"/>
-                <a:r>
-                  <a:rPr lang="fr-FR" dirty="0">
-                    <a:sym typeface="Wingdings" pitchFamily="2" charset="2"/>
-                  </a:rPr>
-                  <a:t>Moyenne nationale en </a:t>
-                </a:r>
-                <a:r>
-                  <a:rPr lang="fr-FR" dirty="0" smtClean="0">
-                    <a:sym typeface="Wingdings" pitchFamily="2" charset="2"/>
-                  </a:rPr>
-                  <a:t>2019 11,85</a:t>
-                </a:r>
-                <a:endParaRPr lang="fr-FR" dirty="0">
-                  <a:sym typeface="Wingdings" pitchFamily="2" charset="2"/>
-                </a:endParaRPr>
               </a:p>
               <a:p>
                 <a:r>
@@ -8889,85 +9131,44 @@
               <a:p>
                 <a:pPr lvl="1"/>
                 <a:r>
-                  <a:rPr lang="fr-FR" dirty="0" smtClean="0"/>
-                  <a:t>Étude </a:t>
-                </a:r>
-                <a:r>
                   <a:rPr lang="fr-FR" dirty="0"/>
-                  <a:t>d'un </a:t>
-                </a:r>
-                <a:r>
-                  <a:rPr lang="fr-FR" dirty="0" smtClean="0"/>
-                  <a:t>procédé </a:t>
-                </a:r>
-                <a:r>
-                  <a:rPr lang="fr-FR" dirty="0"/>
-                  <a:t>de charge électrique de </a:t>
-                </a:r>
-                <a:r>
-                  <a:rPr lang="fr-FR" dirty="0" smtClean="0"/>
-                  <a:t>gouttelettes </a:t>
-                </a:r>
-                <a:r>
-                  <a:rPr lang="fr-FR" dirty="0"/>
-                  <a:t>d'eau par influence électrostatique pour l'exploitation d'énergie éolienne.</a:t>
-                </a:r>
-                <a:r>
-                  <a:rPr lang="fr-FR" dirty="0"/>
-                  <a:t> </a:t>
-                </a:r>
-                <a:r>
-                  <a:rPr lang="fr-FR" dirty="0" smtClean="0"/>
-                  <a:t>18</a:t>
+                  <a:t>Transfert d'énergie et d'information par induction : application au pacemaker (19,7) – Modélisation, simulation et expérimentation</a:t>
                 </a:r>
               </a:p>
               <a:p>
                 <a:pPr lvl="1"/>
                 <a:r>
                   <a:rPr lang="fr-FR" dirty="0"/>
-                  <a:t>Le transfert énergétique par induction, une méthode sécuritaire pour transmettre l'énergie à distance.</a:t>
+                  <a:t>Etude et amélioration de la stabilité d’un avion (19,6) – Modélisation uniquement</a:t>
                 </a:r>
-                <a:r>
-                  <a:rPr lang="fr-FR" dirty="0"/>
-                  <a:t> </a:t>
-                </a:r>
-                <a:r>
-                  <a:rPr lang="fr-FR" dirty="0"/>
-                  <a:t>17,1</a:t>
-                </a:r>
-                <a:r>
-                  <a:rPr lang="fr-FR" dirty="0"/>
-                  <a:t> </a:t>
-                </a:r>
-                <a:endParaRPr lang="fr-FR" dirty="0" smtClean="0"/>
               </a:p>
               <a:p>
                 <a:pPr lvl="1"/>
                 <a:r>
                   <a:rPr lang="fr-FR" dirty="0"/>
-                  <a:t>Les </a:t>
+                  <a:t>Recyclage de plastique (ABS) généré par impression 3D (18,8) – Plutôt expérimental</a:t>
                 </a:r>
-                <a:r>
-                  <a:rPr lang="fr-FR" dirty="0" err="1"/>
-                  <a:t>supercondensateurs</a:t>
-                </a:r>
+              </a:p>
+              <a:p>
+                <a:pPr lvl="1"/>
                 <a:r>
                   <a:rPr lang="fr-FR" dirty="0"/>
-                  <a:t> : une alternative prometteuse pour stocker et fournir de l'énergie.</a:t>
+                  <a:t>Méthodes optiques de mesure du rythme cardiaque (17,7 &amp; 16,4)</a:t>
                 </a:r>
+              </a:p>
+              <a:p>
+                <a:pPr lvl="1"/>
                 <a:r>
                   <a:rPr lang="fr-FR" dirty="0"/>
-                  <a:t> </a:t>
+                  <a:t>Comportement d’un pont au cours d’une sollicitation mécanique (18,3)</a:t>
                 </a:r>
+              </a:p>
+              <a:p>
+                <a:pPr lvl="1"/>
                 <a:r>
                   <a:rPr lang="fr-FR" dirty="0"/>
-                  <a:t>16,2</a:t>
+                  <a:t>Conception d’une chaussure permettant de détecter et d’empêcher la perte d’équilibre (18)</a:t>
                 </a:r>
-                <a:r>
-                  <a:rPr lang="fr-FR" dirty="0"/>
-                  <a:t> </a:t>
-                </a:r>
-                <a:endParaRPr lang="fr-FR" dirty="0" smtClean="0"/>
               </a:p>
               <a:p>
                 <a:pPr lvl="1"/>
@@ -8975,51 +9176,69 @@
               </a:p>
               <a:p>
                 <a:r>
-                  <a:rPr lang="fr-FR" dirty="0" smtClean="0"/>
+                  <a:rPr lang="fr-FR" dirty="0"/>
                   <a:t> </a:t>
                 </a:r>
                 <a:r>
                   <a:rPr lang="fr-FR" dirty="0">
                     <a:sym typeface="Wingdings" pitchFamily="2" charset="2"/>
                   </a:rPr>
-                  <a:t>Ce qui semble </a:t>
-                </a:r>
-                <a:r>
-                  <a:rPr lang="fr-FR" dirty="0" smtClean="0">
-                    <a:sym typeface="Wingdings" pitchFamily="2" charset="2"/>
-                  </a:rPr>
-                  <a:t>avoir moins fonctionné</a:t>
+                  <a:t>Ce qui semble avoir moins fonctionné</a:t>
                 </a:r>
               </a:p>
               <a:p>
                 <a:pPr lvl="1"/>
                 <a:r>
-                  <a:rPr lang="fr-FR" dirty="0" smtClean="0"/>
-                  <a:t>Étude </a:t>
+                  <a:rPr lang="fr-FR" dirty="0"/>
+                  <a:t>Conception d'un exosquelette passif visant à réduire la fatigue musculaire de l'épaule (9,4) beaucoup de potentiel</a:t>
+                </a:r>
+              </a:p>
+              <a:p>
+                <a:pPr lvl="1"/>
+                <a:r>
+                  <a:rPr lang="fr-FR" dirty="0"/>
+                  <a:t>Système de freinage par induction (6,4) – manque de travail ?</a:t>
+                </a:r>
+                <a:endParaRPr lang="fr-FR" dirty="0">
+                  <a:sym typeface="Wingdings" panose="05000000000000000000" pitchFamily="2" charset="2"/>
+                </a:endParaRPr>
+              </a:p>
+              <a:p>
+                <a:pPr lvl="1"/>
+                <a:r>
+                  <a:rPr lang="fr-FR" b="0" i="0" dirty="0">
+                    <a:solidFill>
+                      <a:srgbClr val="000000"/>
+                    </a:solidFill>
+                    <a:effectLst/>
+                  </a:rPr>
+                  <a:t>Sac à </a:t>
                 </a:r>
                 <a:r>
                   <a:rPr lang="fr-FR" dirty="0"/>
-                  <a:t>d'une orthèse </a:t>
+                  <a:t>amortisseur</a:t>
                 </a:r>
                 <a:r>
-                  <a:rPr lang="fr-FR" dirty="0" err="1"/>
-                  <a:t>myoélectrique</a:t>
+                  <a:rPr lang="fr-FR" b="0" i="0" dirty="0">
+                    <a:solidFill>
+                      <a:srgbClr val="000000"/>
+                    </a:solidFill>
+                    <a:effectLst/>
+                  </a:rPr>
+                  <a:t> passif pour réduire les chocs dorsaux durant la marche ou la </a:t>
                 </a:r>
                 <a:r>
                   <a:rPr lang="fr-FR" dirty="0"/>
-                  <a:t> de bras</a:t>
+                  <a:t>course</a:t>
                 </a:r>
                 <a:r>
-                  <a:rPr lang="fr-FR" dirty="0"/>
-                  <a:t> </a:t>
-                </a:r>
-                <a:r>
-                  <a:rPr lang="fr-FR" dirty="0"/>
-                  <a:t>6,8</a:t>
-                </a:r>
-                <a:r>
-                  <a:rPr lang="fr-FR" dirty="0"/>
-                  <a:t> </a:t>
+                  <a:rPr lang="fr-FR" b="0" i="0" dirty="0">
+                    <a:solidFill>
+                      <a:srgbClr val="000000"/>
+                    </a:solidFill>
+                    <a:effectLst/>
+                  </a:rPr>
+                  <a:t> (8,4) – Super travail, mais peut être pas assez valorisé ?</a:t>
                 </a:r>
                 <a:endParaRPr lang="fr-FR" dirty="0">
                   <a:sym typeface="Wingdings" pitchFamily="2" charset="2"/>
@@ -9028,136 +9247,15 @@
               <a:p>
                 <a:pPr lvl="1"/>
                 <a:r>
-                  <a:rPr lang="fr-FR" dirty="0"/>
-                  <a:t>Optimisation du tri des déchets par tri optique.</a:t>
+                  <a:rPr lang="fr-FR" i="0" dirty="0">
+                    <a:solidFill>
+                      <a:srgbClr val="000000"/>
+                    </a:solidFill>
+                    <a:effectLst/>
+                  </a:rPr>
+                  <a:t>Contrôle des angles de roulis et de tangage d'un véhicule agricole (9.8) Manque de maîtrise ?</a:t>
                 </a:r>
-                <a:r>
-                  <a:rPr lang="fr-FR" dirty="0"/>
-                  <a:t> </a:t>
-                </a:r>
-                <a:r>
-                  <a:rPr lang="fr-FR" dirty="0"/>
-                  <a:t>7,2</a:t>
-                </a:r>
-                <a:r>
-                  <a:rPr lang="fr-FR" dirty="0"/>
-                  <a:t> </a:t>
-                </a:r>
-                <a:endParaRPr lang="fr-FR" dirty="0" smtClean="0"/>
-              </a:p>
-              <a:p>
-                <a:pPr lvl="1"/>
-                <a:r>
-                  <a:rPr lang="fr-FR" i="1" dirty="0"/>
-                  <a:t>Régulation en température des batteries Li-Ion par effet Peltier.</a:t>
-                </a:r>
-                <a:r>
-                  <a:rPr lang="fr-FR" i="1" dirty="0"/>
-                  <a:t> </a:t>
-                </a:r>
-                <a:r>
-                  <a:rPr lang="fr-FR" i="1" dirty="0"/>
-                  <a:t>8,3</a:t>
-                </a:r>
-                <a:r>
-                  <a:rPr lang="fr-FR" i="1" dirty="0"/>
-                  <a:t> </a:t>
-                </a:r>
-                <a:r>
-                  <a:rPr lang="fr-FR" i="1" dirty="0" smtClean="0">
-                    <a:sym typeface="Wingdings" panose="05000000000000000000" pitchFamily="2" charset="2"/>
-                  </a:rPr>
-                  <a:t></a:t>
-                </a:r>
-              </a:p>
-              <a:p>
-                <a:pPr lvl="1"/>
-                <a:r>
-                  <a:rPr lang="fr-FR" i="1" dirty="0"/>
-                  <a:t>Effets dynamiques du vent sur les </a:t>
-                </a:r>
-                <a:r>
-                  <a:rPr lang="fr-FR" i="1" dirty="0" smtClean="0"/>
-                  <a:t>bâtiments: </a:t>
-                </a:r>
-                <a:r>
-                  <a:rPr lang="fr-FR" i="1" dirty="0"/>
-                  <a:t>étude d'un amortisseur mécanique</a:t>
-                </a:r>
-                <a:r>
-                  <a:rPr lang="fr-FR" i="1" dirty="0"/>
-                  <a:t> </a:t>
-                </a:r>
-                <a:r>
-                  <a:rPr lang="fr-FR" i="1" dirty="0"/>
-                  <a:t>8,7</a:t>
-                </a:r>
-                <a:r>
-                  <a:rPr lang="fr-FR" i="1" dirty="0"/>
-                  <a:t> </a:t>
-                </a:r>
-                <a:r>
-                  <a:rPr lang="fr-FR" i="1" dirty="0" smtClean="0">
-                    <a:sym typeface="Wingdings" panose="05000000000000000000" pitchFamily="2" charset="2"/>
-                  </a:rPr>
-                  <a:t></a:t>
-                </a:r>
-              </a:p>
-              <a:p>
-                <a:pPr lvl="1"/>
-                <a:r>
-                  <a:rPr lang="fr-FR" dirty="0" smtClean="0"/>
-                  <a:t>Élaboration </a:t>
-                </a:r>
-                <a:r>
-                  <a:rPr lang="fr-FR" dirty="0"/>
-                  <a:t>d’une table de recharge à induction : un chargeur mobile</a:t>
-                </a:r>
-                <a:r>
-                  <a:rPr lang="fr-FR" dirty="0"/>
-                  <a:t> </a:t>
-                </a:r>
-                <a:r>
-                  <a:rPr lang="fr-FR" dirty="0"/>
-                  <a:t>9,5</a:t>
-                </a:r>
-                <a:r>
-                  <a:rPr lang="fr-FR" dirty="0"/>
-                  <a:t> </a:t>
-                </a:r>
-                <a:r>
-                  <a:rPr lang="fr-FR" dirty="0" smtClean="0"/>
-                  <a:t>&amp; 10</a:t>
-                </a:r>
-              </a:p>
-              <a:p>
-                <a:pPr lvl="1"/>
-                <a:r>
-                  <a:rPr lang="fr-FR" dirty="0"/>
-                  <a:t>Caractérisation et optimisation des systèmes RFID passifs à basse fréquence</a:t>
-                </a:r>
-                <a:r>
-                  <a:rPr lang="fr-FR" dirty="0"/>
-                  <a:t> </a:t>
-                </a:r>
-                <a:r>
-                  <a:rPr lang="fr-FR" dirty="0"/>
-                  <a:t>9,8</a:t>
-                </a:r>
-                <a:r>
-                  <a:rPr lang="fr-FR" dirty="0"/>
-                  <a:t> </a:t>
-                </a:r>
-              </a:p>
-              <a:p>
-                <a:pPr lvl="1"/>
-                <a:endParaRPr lang="fr-FR" dirty="0">
-                  <a:sym typeface="Wingdings" pitchFamily="2" charset="2"/>
-                </a:endParaRPr>
-              </a:p>
-              <a:p>
-                <a:pPr lvl="1"/>
-                <a:endParaRPr lang="fr-FR" dirty="0" smtClean="0"/>
+                <a:endParaRPr lang="fr-FR" dirty="0"/>
               </a:p>
               <a:p>
                 <a:pPr lvl="1"/>
@@ -9192,10 +9290,14 @@
               </p:nvPr>
             </p:nvSpPr>
             <p:spPr>
+              <a:xfrm>
+                <a:off x="457200" y="1219200"/>
+                <a:ext cx="8229600" cy="5137150"/>
+              </a:xfrm>
               <a:blipFill>
                 <a:blip r:embed="rId2"/>
                 <a:stretch>
-                  <a:fillRect l="-296" t="-1852"/>
+                  <a:fillRect l="-148" t="-1779"/>
                 </a:stretch>
               </a:blipFill>
             </p:spPr>
@@ -9214,32 +9316,83 @@
           </p:sp>
         </mc:Fallback>
       </mc:AlternateContent>
-      <p:graphicFrame>
-        <p:nvGraphicFramePr>
-          <p:cNvPr id="6" name="Graphique 5">
+      <p:pic>
+        <p:nvPicPr>
+          <p:cNvPr id="1028" name="Picture 4">
             <a:extLst>
               <a:ext uri="{FF2B5EF4-FFF2-40B4-BE49-F238E27FC236}">
-                <a16:creationId xmlns:a16="http://schemas.microsoft.com/office/drawing/2014/main" id="{61875FBE-A396-4AA8-8CB2-8BD1D38DE7E1}"/>
+                <a16:creationId xmlns:a16="http://schemas.microsoft.com/office/drawing/2014/main" id="{671FCF80-D80E-3BA0-4A15-BF9A17E50214}"/>
               </a:ext>
             </a:extLst>
           </p:cNvPr>
-          <p:cNvGraphicFramePr>
-            <a:graphicFrameLocks/>
-          </p:cNvGraphicFramePr>
-          <p:nvPr>
-            <p:extLst/>
-          </p:nvPr>
-        </p:nvGraphicFramePr>
-        <p:xfrm>
-          <a:off x="5508104" y="141496"/>
-          <a:ext cx="3563888" cy="1991360"/>
-        </p:xfrm>
-        <a:graphic>
-          <a:graphicData uri="http://schemas.openxmlformats.org/drawingml/2006/chart">
-            <c:chart xmlns:c="http://schemas.openxmlformats.org/drawingml/2006/chart" xmlns:r="http://schemas.openxmlformats.org/officeDocument/2006/relationships" r:id="rId3"/>
-          </a:graphicData>
-        </a:graphic>
-      </p:graphicFrame>
+          <p:cNvPicPr>
+            <a:picLocks noChangeAspect="1" noChangeArrowheads="1"/>
+          </p:cNvPicPr>
+          <p:nvPr/>
+        </p:nvPicPr>
+        <p:blipFill>
+          <a:blip r:embed="rId3" cstate="print">
+            <a:extLst>
+              <a:ext uri="{28A0092B-C50C-407E-A947-70E740481C1C}">
+                <a14:useLocalDpi xmlns:a14="http://schemas.microsoft.com/office/drawing/2010/main" val="0"/>
+              </a:ext>
+            </a:extLst>
+          </a:blip>
+          <a:srcRect/>
+          <a:stretch>
+            <a:fillRect/>
+          </a:stretch>
+        </p:blipFill>
+        <p:spPr bwMode="auto">
+          <a:xfrm>
+            <a:off x="5737794" y="0"/>
+            <a:ext cx="3406205" cy="1950289"/>
+          </a:xfrm>
+          <a:prstGeom prst="rect">
+            <a:avLst/>
+          </a:prstGeom>
+          <a:noFill/>
+          <a:extLst>
+            <a:ext uri="{909E8E84-426E-40DD-AFC4-6F175D3DCCD1}">
+              <a14:hiddenFill xmlns:a14="http://schemas.microsoft.com/office/drawing/2010/main">
+                <a:solidFill>
+                  <a:srgbClr val="FFFFFF"/>
+                </a:solidFill>
+              </a14:hiddenFill>
+            </a:ext>
+          </a:extLst>
+        </p:spPr>
+      </p:pic>
+      <p:pic>
+        <p:nvPicPr>
+          <p:cNvPr id="7" name="Image 6">
+            <a:extLst>
+              <a:ext uri="{FF2B5EF4-FFF2-40B4-BE49-F238E27FC236}">
+                <a16:creationId xmlns:a16="http://schemas.microsoft.com/office/drawing/2014/main" id="{E9143E23-0105-E53C-49C0-711475A332E7}"/>
+              </a:ext>
+            </a:extLst>
+          </p:cNvPr>
+          <p:cNvPicPr>
+            <a:picLocks noChangeAspect="1"/>
+          </p:cNvPicPr>
+          <p:nvPr/>
+        </p:nvPicPr>
+        <p:blipFill>
+          <a:blip r:embed="rId4"/>
+          <a:stretch>
+            <a:fillRect/>
+          </a:stretch>
+        </p:blipFill>
+        <p:spPr>
+          <a:xfrm>
+            <a:off x="4355976" y="0"/>
+            <a:ext cx="2331590" cy="1435298"/>
+          </a:xfrm>
+          <a:prstGeom prst="rect">
+            <a:avLst/>
+          </a:prstGeom>
+        </p:spPr>
+      </p:pic>
     </p:spTree>
     <p:extLst>
       <p:ext uri="{BB962C8B-B14F-4D97-AF65-F5344CB8AC3E}">
